--- a/PPT/Basda 1 - Pengantar Basis Data.pptx
+++ b/PPT/Basda 1 - Pengantar Basis Data.pptx
@@ -5,7 +5,7 @@
     <p:sldMasterId id="2147483678" r:id="rId1"/>
   </p:sldMasterIdLst>
   <p:notesMasterIdLst>
-    <p:notesMasterId r:id="rId10"/>
+    <p:notesMasterId r:id="rId11"/>
   </p:notesMasterIdLst>
   <p:sldIdLst>
     <p:sldId id="256" r:id="rId2"/>
@@ -16,6 +16,7 @@
     <p:sldId id="260" r:id="rId7"/>
     <p:sldId id="262" r:id="rId8"/>
     <p:sldId id="263" r:id="rId9"/>
+    <p:sldId id="264" r:id="rId10"/>
   </p:sldIdLst>
   <p:sldSz cx="12192000" cy="6858000"/>
   <p:notesSz cx="6858000" cy="9144000"/>
@@ -204,7 +205,7 @@
           <a:p>
             <a:fld id="{6F0EA056-6461-445D-B270-AA6EA04D8253}" type="datetimeFigureOut">
               <a:rPr lang="id-ID" smtClean="0"/>
-              <a:t>25/01/2017</a:t>
+              <a:t>26/01/2017</a:t>
             </a:fld>
             <a:endParaRPr lang="id-ID"/>
           </a:p>
@@ -980,7 +981,7 @@
           <a:p>
             <a:fld id="{025DE6DA-EAE8-4A3E-89FA-65E90B7ECB40}" type="datetime1">
               <a:rPr lang="id-ID" smtClean="0"/>
-              <a:t>25/01/2017</a:t>
+              <a:t>26/01/2017</a:t>
             </a:fld>
             <a:endParaRPr lang="id-ID"/>
           </a:p>
@@ -1966,7 +1967,7 @@
           <a:p>
             <a:fld id="{1812FD58-C028-4E42-9AA5-F1941B24BBE0}" type="datetime1">
               <a:rPr lang="id-ID" smtClean="0"/>
-              <a:t>25/01/2017</a:t>
+              <a:t>26/01/2017</a:t>
             </a:fld>
             <a:endParaRPr lang="id-ID"/>
           </a:p>
@@ -2840,7 +2841,7 @@
           <a:p>
             <a:fld id="{7C4206D4-E308-4F85-A4C3-3A061226B146}" type="datetime1">
               <a:rPr lang="id-ID" smtClean="0"/>
-              <a:t>25/01/2017</a:t>
+              <a:t>26/01/2017</a:t>
             </a:fld>
             <a:endParaRPr lang="id-ID"/>
           </a:p>
@@ -3865,7 +3866,7 @@
           <a:p>
             <a:fld id="{F4B24DB9-09C0-4700-BAEE-7A01D15E8091}" type="datetime1">
               <a:rPr lang="id-ID" smtClean="0"/>
-              <a:t>25/01/2017</a:t>
+              <a:t>26/01/2017</a:t>
             </a:fld>
             <a:endParaRPr lang="id-ID"/>
           </a:p>
@@ -4789,7 +4790,7 @@
           <a:p>
             <a:fld id="{E9F89C40-52C4-4B84-89B3-51C4EB2BA674}" type="datetime1">
               <a:rPr lang="id-ID" smtClean="0"/>
-              <a:t>25/01/2017</a:t>
+              <a:t>26/01/2017</a:t>
             </a:fld>
             <a:endParaRPr lang="id-ID"/>
           </a:p>
@@ -5449,7 +5450,7 @@
           <a:p>
             <a:fld id="{1ADA22DE-10EC-4333-84AF-3DA5331FCDB7}" type="datetime1">
               <a:rPr lang="id-ID" smtClean="0"/>
-              <a:t>25/01/2017</a:t>
+              <a:t>26/01/2017</a:t>
             </a:fld>
             <a:endParaRPr lang="id-ID"/>
           </a:p>
@@ -6310,7 +6311,7 @@
           <a:p>
             <a:fld id="{0BC043ED-5152-4B9C-9722-32466B8ACCD8}" type="datetime1">
               <a:rPr lang="id-ID" smtClean="0"/>
-              <a:t>25/01/2017</a:t>
+              <a:t>26/01/2017</a:t>
             </a:fld>
             <a:endParaRPr lang="id-ID"/>
           </a:p>
@@ -6497,7 +6498,7 @@
           <a:p>
             <a:fld id="{AA988960-D864-4BC5-9C47-BA94A219A415}" type="datetime1">
               <a:rPr lang="id-ID" smtClean="0"/>
-              <a:t>25/01/2017</a:t>
+              <a:t>26/01/2017</a:t>
             </a:fld>
             <a:endParaRPr lang="id-ID"/>
           </a:p>
@@ -7358,7 +7359,7 @@
           <a:p>
             <a:fld id="{7AB78D08-B69B-456F-BD6D-101719DF1B67}" type="datetime1">
               <a:rPr lang="id-ID" smtClean="0"/>
-              <a:t>25/01/2017</a:t>
+              <a:t>26/01/2017</a:t>
             </a:fld>
             <a:endParaRPr lang="id-ID"/>
           </a:p>
@@ -7581,7 +7582,7 @@
           <a:p>
             <a:fld id="{32F325C5-69DC-49BF-AF22-3E0CB0039943}" type="datetime1">
               <a:rPr lang="id-ID" smtClean="0"/>
-              <a:t>25/01/2017</a:t>
+              <a:t>26/01/2017</a:t>
             </a:fld>
             <a:endParaRPr lang="id-ID"/>
           </a:p>
@@ -8510,7 +8511,7 @@
           <a:p>
             <a:fld id="{BFA73CD7-1F3D-4B2A-BC6B-FE9D04DAB4E0}" type="datetime1">
               <a:rPr lang="id-ID" smtClean="0"/>
-              <a:t>25/01/2017</a:t>
+              <a:t>26/01/2017</a:t>
             </a:fld>
             <a:endParaRPr lang="id-ID"/>
           </a:p>
@@ -8798,7 +8799,7 @@
           <a:p>
             <a:fld id="{A340076C-247E-4095-9F60-4FD9814D8B20}" type="datetime1">
               <a:rPr lang="id-ID" smtClean="0"/>
-              <a:t>25/01/2017</a:t>
+              <a:t>26/01/2017</a:t>
             </a:fld>
             <a:endParaRPr lang="id-ID"/>
           </a:p>
@@ -9192,7 +9193,7 @@
           <a:p>
             <a:fld id="{6532A9BF-9B1A-4041-86D8-4CD0C17D9448}" type="datetime1">
               <a:rPr lang="id-ID" smtClean="0"/>
-              <a:t>25/01/2017</a:t>
+              <a:t>26/01/2017</a:t>
             </a:fld>
             <a:endParaRPr lang="id-ID"/>
           </a:p>
@@ -9322,7 +9323,7 @@
           <a:p>
             <a:fld id="{A5461653-8308-4CCD-89AE-E736F9936321}" type="datetime1">
               <a:rPr lang="id-ID" smtClean="0"/>
-              <a:t>25/01/2017</a:t>
+              <a:t>26/01/2017</a:t>
             </a:fld>
             <a:endParaRPr lang="id-ID"/>
           </a:p>
@@ -9421,7 +9422,7 @@
           <a:p>
             <a:fld id="{7DD72D3F-83DE-411D-8275-7ABF66163FB5}" type="datetime1">
               <a:rPr lang="id-ID" smtClean="0"/>
-              <a:t>25/01/2017</a:t>
+              <a:t>26/01/2017</a:t>
             </a:fld>
             <a:endParaRPr lang="id-ID"/>
           </a:p>
@@ -10396,7 +10397,7 @@
           <a:p>
             <a:fld id="{0D9D66E6-888F-4255-8FB4-7A9DC7F0640D}" type="datetime1">
               <a:rPr lang="id-ID" smtClean="0"/>
-              <a:t>25/01/2017</a:t>
+              <a:t>26/01/2017</a:t>
             </a:fld>
             <a:endParaRPr lang="id-ID"/>
           </a:p>
@@ -11395,7 +11396,7 @@
           <a:p>
             <a:fld id="{1A608E77-0F04-4336-AF6F-B93EC8C3B9A4}" type="datetime1">
               <a:rPr lang="id-ID" smtClean="0"/>
-              <a:t>25/01/2017</a:t>
+              <a:t>26/01/2017</a:t>
             </a:fld>
             <a:endParaRPr lang="id-ID"/>
           </a:p>
@@ -12283,7 +12284,7 @@
           <a:p>
             <a:fld id="{A5E1DFC4-C3B3-499E-9F17-1923B6DF39E4}" type="datetime1">
               <a:rPr lang="id-ID" smtClean="0"/>
-              <a:t>25/01/2017</a:t>
+              <a:t>26/01/2017</a:t>
             </a:fld>
             <a:endParaRPr lang="id-ID"/>
           </a:p>
@@ -12921,6 +12922,13 @@
   <p:clrMapOvr>
     <a:masterClrMapping/>
   </p:clrMapOvr>
+  <p:timing>
+    <p:tnLst>
+      <p:par>
+        <p:cTn id="1" dur="indefinite" restart="never" nodeType="tmRoot"/>
+      </p:par>
+    </p:tnLst>
+  </p:timing>
 </p:sld>
 </file>
 
@@ -15927,6 +15935,310 @@
       </p:par>
     </p:tnLst>
   </p:timing>
+</p:sld>
+</file>
+
+<file path=ppt/slides/slide9.xml><?xml version="1.0" encoding="utf-8"?>
+<p:sld xmlns:a="http://schemas.openxmlformats.org/drawingml/2006/main" xmlns:r="http://schemas.openxmlformats.org/officeDocument/2006/relationships" xmlns:p="http://schemas.openxmlformats.org/presentationml/2006/main">
+  <p:cSld>
+    <p:spTree>
+      <p:nvGrpSpPr>
+        <p:cNvPr id="1" name=""/>
+        <p:cNvGrpSpPr/>
+        <p:nvPr/>
+      </p:nvGrpSpPr>
+      <p:grpSpPr>
+        <a:xfrm>
+          <a:off x="0" y="0"/>
+          <a:ext cx="0" cy="0"/>
+          <a:chOff x="0" y="0"/>
+          <a:chExt cx="0" cy="0"/>
+        </a:xfrm>
+      </p:grpSpPr>
+      <p:sp>
+        <p:nvSpPr>
+          <p:cNvPr id="2" name="Title 1"/>
+          <p:cNvSpPr>
+            <a:spLocks noGrp="1"/>
+          </p:cNvSpPr>
+          <p:nvPr>
+            <p:ph type="title"/>
+          </p:nvPr>
+        </p:nvSpPr>
+        <p:spPr/>
+        <p:txBody>
+          <a:bodyPr/>
+          <a:lstStyle/>
+          <a:p>
+            <a:r>
+              <a:rPr lang="id-ID" dirty="0" smtClean="0"/>
+              <a:t>Contoh Produk DBMS</a:t>
+            </a:r>
+            <a:endParaRPr lang="id-ID" dirty="0"/>
+          </a:p>
+        </p:txBody>
+      </p:sp>
+      <p:sp>
+        <p:nvSpPr>
+          <p:cNvPr id="4" name="Footer Placeholder 3"/>
+          <p:cNvSpPr>
+            <a:spLocks noGrp="1"/>
+          </p:cNvSpPr>
+          <p:nvPr>
+            <p:ph type="ftr" sz="quarter" idx="11"/>
+          </p:nvPr>
+        </p:nvSpPr>
+        <p:spPr/>
+        <p:txBody>
+          <a:bodyPr/>
+          <a:lstStyle/>
+          <a:p>
+            <a:r>
+              <a:rPr lang="id-ID" smtClean="0"/>
+              <a:t>Basis Data - Pengantar Basis Data</a:t>
+            </a:r>
+            <a:endParaRPr lang="id-ID"/>
+          </a:p>
+        </p:txBody>
+      </p:sp>
+      <p:sp>
+        <p:nvSpPr>
+          <p:cNvPr id="5" name="Slide Number Placeholder 4"/>
+          <p:cNvSpPr>
+            <a:spLocks noGrp="1"/>
+          </p:cNvSpPr>
+          <p:nvPr>
+            <p:ph type="sldNum" sz="quarter" idx="12"/>
+          </p:nvPr>
+        </p:nvSpPr>
+        <p:spPr/>
+        <p:txBody>
+          <a:bodyPr/>
+          <a:lstStyle/>
+          <a:p>
+            <a:fld id="{938E41C2-1131-4636-84DD-419B17AECC94}" type="slidenum">
+              <a:rPr lang="id-ID" smtClean="0"/>
+              <a:t>9</a:t>
+            </a:fld>
+            <a:endParaRPr lang="id-ID"/>
+          </a:p>
+        </p:txBody>
+      </p:sp>
+      <p:pic>
+        <p:nvPicPr>
+          <p:cNvPr id="1026" name="Picture 2" descr="https://oracleteamusa-images.s3.amazonaws.com/original/m348_oracle.png"/>
+          <p:cNvPicPr>
+            <a:picLocks noChangeAspect="1" noChangeArrowheads="1"/>
+          </p:cNvPicPr>
+          <p:nvPr/>
+        </p:nvPicPr>
+        <p:blipFill>
+          <a:blip r:embed="rId2" cstate="print">
+            <a:extLst>
+              <a:ext uri="{28A0092B-C50C-407E-A947-70E740481C1C}">
+                <a14:useLocalDpi xmlns:a14="http://schemas.microsoft.com/office/drawing/2010/main" val="0"/>
+              </a:ext>
+            </a:extLst>
+          </a:blip>
+          <a:srcRect/>
+          <a:stretch>
+            <a:fillRect/>
+          </a:stretch>
+        </p:blipFill>
+        <p:spPr bwMode="auto">
+          <a:xfrm>
+            <a:off x="971244" y="2648228"/>
+            <a:ext cx="3040992" cy="726640"/>
+          </a:xfrm>
+          <a:prstGeom prst="rect">
+            <a:avLst/>
+          </a:prstGeom>
+          <a:noFill/>
+          <a:extLst>
+            <a:ext uri="{909E8E84-426E-40DD-AFC4-6F175D3DCCD1}">
+              <a14:hiddenFill xmlns:a14="http://schemas.microsoft.com/office/drawing/2010/main">
+                <a:solidFill>
+                  <a:srgbClr val="FFFFFF"/>
+                </a:solidFill>
+              </a14:hiddenFill>
+            </a:ext>
+          </a:extLst>
+        </p:spPr>
+      </p:pic>
+      <p:pic>
+        <p:nvPicPr>
+          <p:cNvPr id="1028" name="Picture 4" descr="http://greenwireit.com/wp-content/uploads/2013/05/sql-server-express1.png"/>
+          <p:cNvPicPr>
+            <a:picLocks noChangeAspect="1" noChangeArrowheads="1"/>
+          </p:cNvPicPr>
+          <p:nvPr/>
+        </p:nvPicPr>
+        <p:blipFill>
+          <a:blip r:embed="rId3" cstate="print">
+            <a:extLst>
+              <a:ext uri="{28A0092B-C50C-407E-A947-70E740481C1C}">
+                <a14:useLocalDpi xmlns:a14="http://schemas.microsoft.com/office/drawing/2010/main" val="0"/>
+              </a:ext>
+            </a:extLst>
+          </a:blip>
+          <a:srcRect/>
+          <a:stretch>
+            <a:fillRect/>
+          </a:stretch>
+        </p:blipFill>
+        <p:spPr bwMode="auto">
+          <a:xfrm>
+            <a:off x="971244" y="3917075"/>
+            <a:ext cx="2380962" cy="1932374"/>
+          </a:xfrm>
+          <a:prstGeom prst="rect">
+            <a:avLst/>
+          </a:prstGeom>
+          <a:noFill/>
+          <a:extLst>
+            <a:ext uri="{909E8E84-426E-40DD-AFC4-6F175D3DCCD1}">
+              <a14:hiddenFill xmlns:a14="http://schemas.microsoft.com/office/drawing/2010/main">
+                <a:solidFill>
+                  <a:srgbClr val="FFFFFF"/>
+                </a:solidFill>
+              </a14:hiddenFill>
+            </a:ext>
+          </a:extLst>
+        </p:spPr>
+      </p:pic>
+      <p:pic>
+        <p:nvPicPr>
+          <p:cNvPr id="1030" name="Picture 6" descr="https://1.bp.blogspot.com/-2BoHE29Fe5I/WACpY1k8FaI/AAAAAAAADbo/abDzB75yZYYaPHRmsjOJLh9SIOA3-rOBwCLcB/s1600/Access.jpg"/>
+          <p:cNvPicPr>
+            <a:picLocks noChangeAspect="1" noChangeArrowheads="1"/>
+          </p:cNvPicPr>
+          <p:nvPr/>
+        </p:nvPicPr>
+        <p:blipFill>
+          <a:blip r:embed="rId4">
+            <a:extLst>
+              <a:ext uri="{28A0092B-C50C-407E-A947-70E740481C1C}">
+                <a14:useLocalDpi xmlns:a14="http://schemas.microsoft.com/office/drawing/2010/main" val="0"/>
+              </a:ext>
+            </a:extLst>
+          </a:blip>
+          <a:srcRect/>
+          <a:stretch>
+            <a:fillRect/>
+          </a:stretch>
+        </p:blipFill>
+        <p:spPr bwMode="auto">
+          <a:xfrm>
+            <a:off x="4530300" y="3730514"/>
+            <a:ext cx="2975968" cy="1152748"/>
+          </a:xfrm>
+          <a:prstGeom prst="rect">
+            <a:avLst/>
+          </a:prstGeom>
+          <a:noFill/>
+          <a:extLst>
+            <a:ext uri="{909E8E84-426E-40DD-AFC4-6F175D3DCCD1}">
+              <a14:hiddenFill xmlns:a14="http://schemas.microsoft.com/office/drawing/2010/main">
+                <a:solidFill>
+                  <a:srgbClr val="FFFFFF"/>
+                </a:solidFill>
+              </a14:hiddenFill>
+            </a:ext>
+          </a:extLst>
+        </p:spPr>
+      </p:pic>
+      <p:pic>
+        <p:nvPicPr>
+          <p:cNvPr id="1032" name="Picture 8" descr="https://upload.wikimedia.org/wikipedia/en/thumb/6/62/MySQL.svg/1280px-MySQL.svg.png"/>
+          <p:cNvPicPr>
+            <a:picLocks noChangeAspect="1" noChangeArrowheads="1"/>
+          </p:cNvPicPr>
+          <p:nvPr/>
+        </p:nvPicPr>
+        <p:blipFill>
+          <a:blip r:embed="rId5" cstate="print">
+            <a:extLst>
+              <a:ext uri="{28A0092B-C50C-407E-A947-70E740481C1C}">
+                <a14:useLocalDpi xmlns:a14="http://schemas.microsoft.com/office/drawing/2010/main" val="0"/>
+              </a:ext>
+            </a:extLst>
+          </a:blip>
+          <a:srcRect/>
+          <a:stretch>
+            <a:fillRect/>
+          </a:stretch>
+        </p:blipFill>
+        <p:spPr bwMode="auto">
+          <a:xfrm>
+            <a:off x="8080851" y="2207350"/>
+            <a:ext cx="3109888" cy="1608396"/>
+          </a:xfrm>
+          <a:prstGeom prst="rect">
+            <a:avLst/>
+          </a:prstGeom>
+          <a:noFill/>
+          <a:extLst>
+            <a:ext uri="{909E8E84-426E-40DD-AFC4-6F175D3DCCD1}">
+              <a14:hiddenFill xmlns:a14="http://schemas.microsoft.com/office/drawing/2010/main">
+                <a:solidFill>
+                  <a:srgbClr val="FFFFFF"/>
+                </a:solidFill>
+              </a14:hiddenFill>
+            </a:ext>
+          </a:extLst>
+        </p:spPr>
+      </p:pic>
+      <p:pic>
+        <p:nvPicPr>
+          <p:cNvPr id="1034" name="Picture 10" descr="https://mariadb.org/wp-content/uploads/2015/10/mariadb-usa-inc.png"/>
+          <p:cNvPicPr>
+            <a:picLocks noChangeAspect="1" noChangeArrowheads="1"/>
+          </p:cNvPicPr>
+          <p:nvPr/>
+        </p:nvPicPr>
+        <p:blipFill>
+          <a:blip r:embed="rId6">
+            <a:extLst>
+              <a:ext uri="{28A0092B-C50C-407E-A947-70E740481C1C}">
+                <a14:useLocalDpi xmlns:a14="http://schemas.microsoft.com/office/drawing/2010/main" val="0"/>
+              </a:ext>
+            </a:extLst>
+          </a:blip>
+          <a:srcRect/>
+          <a:stretch>
+            <a:fillRect/>
+          </a:stretch>
+        </p:blipFill>
+        <p:spPr bwMode="auto">
+          <a:xfrm>
+            <a:off x="8016545" y="4537416"/>
+            <a:ext cx="3238500" cy="1666875"/>
+          </a:xfrm>
+          <a:prstGeom prst="rect">
+            <a:avLst/>
+          </a:prstGeom>
+          <a:noFill/>
+          <a:extLst>
+            <a:ext uri="{909E8E84-426E-40DD-AFC4-6F175D3DCCD1}">
+              <a14:hiddenFill xmlns:a14="http://schemas.microsoft.com/office/drawing/2010/main">
+                <a:solidFill>
+                  <a:srgbClr val="FFFFFF"/>
+                </a:solidFill>
+              </a14:hiddenFill>
+            </a:ext>
+          </a:extLst>
+        </p:spPr>
+      </p:pic>
+    </p:spTree>
+    <p:extLst>
+      <p:ext uri="{BB962C8B-B14F-4D97-AF65-F5344CB8AC3E}">
+        <p14:creationId xmlns:p14="http://schemas.microsoft.com/office/powerpoint/2010/main" val="1650898741"/>
+      </p:ext>
+    </p:extLst>
+  </p:cSld>
+  <p:clrMapOvr>
+    <a:masterClrMapping/>
+  </p:clrMapOvr>
 </p:sld>
 </file>
 
